--- a/PPT/21_行列式.pptx
+++ b/PPT/21_行列式.pptx
@@ -5946,8 +5946,8 @@
           </a:p>
         </p:txBody>
       </p:sp>
-      <mc:AlternateContent xmlns:mc="http://schemas.openxmlformats.org/markup-compatibility/2006">
-        <mc:Choice xmlns:a14="http://schemas.microsoft.com/office/drawing/2010/main" Requires="a14">
+      <mc:AlternateContent xmlns:mc="http://schemas.openxmlformats.org/markup-compatibility/2006" xmlns:a14="http://schemas.microsoft.com/office/drawing/2010/main">
+        <mc:Choice Requires="a14">
           <p:sp>
             <p:nvSpPr>
               <p:cNvPr id="4" name="Content Placeholder 3">
@@ -7137,7 +7137,7 @@
             </p:txBody>
           </p:sp>
         </mc:Choice>
-        <mc:Fallback>
+        <mc:Fallback xmlns="">
           <p:sp>
             <p:nvSpPr>
               <p:cNvPr id="4" name="Content Placeholder 3">
@@ -7353,8 +7353,8 @@
           </a:p>
         </p:txBody>
       </p:sp>
-      <mc:AlternateContent xmlns:mc="http://schemas.openxmlformats.org/markup-compatibility/2006">
-        <mc:Choice xmlns:a14="http://schemas.microsoft.com/office/drawing/2010/main" Requires="a14">
+      <mc:AlternateContent xmlns:mc="http://schemas.openxmlformats.org/markup-compatibility/2006" xmlns:a14="http://schemas.microsoft.com/office/drawing/2010/main">
+        <mc:Choice Requires="a14">
           <p:sp>
             <p:nvSpPr>
               <p:cNvPr id="4" name="Content Placeholder 3">
@@ -8137,7 +8137,7 @@
             </p:txBody>
           </p:sp>
         </mc:Choice>
-        <mc:Fallback>
+        <mc:Fallback xmlns="">
           <p:sp>
             <p:nvSpPr>
               <p:cNvPr id="4" name="Content Placeholder 3">
@@ -8353,8 +8353,8 @@
           </a:p>
         </p:txBody>
       </p:sp>
-      <mc:AlternateContent xmlns:mc="http://schemas.openxmlformats.org/markup-compatibility/2006">
-        <mc:Choice xmlns:a14="http://schemas.microsoft.com/office/drawing/2010/main" Requires="a14">
+      <mc:AlternateContent xmlns:mc="http://schemas.openxmlformats.org/markup-compatibility/2006" xmlns:a14="http://schemas.microsoft.com/office/drawing/2010/main">
+        <mc:Choice Requires="a14">
           <p:sp>
             <p:nvSpPr>
               <p:cNvPr id="4" name="Content Placeholder 3">
@@ -9762,7 +9762,7 @@
             </p:txBody>
           </p:sp>
         </mc:Choice>
-        <mc:Fallback>
+        <mc:Fallback xmlns="">
           <p:sp>
             <p:nvSpPr>
               <p:cNvPr id="4" name="Content Placeholder 3">
@@ -9978,8 +9978,8 @@
           </a:p>
         </p:txBody>
       </p:sp>
-      <mc:AlternateContent xmlns:mc="http://schemas.openxmlformats.org/markup-compatibility/2006">
-        <mc:Choice xmlns:a14="http://schemas.microsoft.com/office/drawing/2010/main" Requires="a14">
+      <mc:AlternateContent xmlns:mc="http://schemas.openxmlformats.org/markup-compatibility/2006" xmlns:a14="http://schemas.microsoft.com/office/drawing/2010/main">
+        <mc:Choice Requires="a14">
           <p:sp>
             <p:nvSpPr>
               <p:cNvPr id="4" name="Content Placeholder 3">
@@ -10312,7 +10312,7 @@
             </p:txBody>
           </p:sp>
         </mc:Choice>
-        <mc:Fallback>
+        <mc:Fallback xmlns="">
           <p:sp>
             <p:nvSpPr>
               <p:cNvPr id="4" name="Content Placeholder 3">
@@ -10781,7 +10781,7 @@
                         <m:begChr m:val="|"/>
                         <m:endChr m:val="|"/>
                         <m:ctrlPr>
-                          <a:rPr lang="en-US" altLang="zh-CN" sz="2000" b="0" i="0" smtClean="0">
+                          <a:rPr lang="en-US" altLang="zh-CN" sz="2000" b="0" i="1" smtClean="0">
                             <a:solidFill>
                               <a:schemeClr val="tx1">
                                 <a:lumMod val="65000"/>
@@ -11421,7 +11421,7 @@
                                     <a:latin typeface="Cambria Math" panose="02040503050406030204" pitchFamily="18" charset="0"/>
                                     <a:ea typeface="微软雅黑 Light" panose="020B0502040204020203" pitchFamily="34" charset="-122"/>
                                   </a:rPr>
-                                  <m:t>0</m:t>
+                                  <m:t>1</m:t>
                                 </m:r>
                               </m:e>
                               <m:e>
@@ -11436,7 +11436,7 @@
                                     <a:latin typeface="Cambria Math" panose="02040503050406030204" pitchFamily="18" charset="0"/>
                                     <a:ea typeface="微软雅黑 Light" panose="020B0502040204020203" pitchFamily="34" charset="-122"/>
                                   </a:rPr>
-                                  <m:t>1</m:t>
+                                  <m:t>0</m:t>
                                 </m:r>
                               </m:e>
                               <m:e>
@@ -11563,20 +11563,7 @@
                           <a:latin typeface="Cambria Math" panose="02040503050406030204" pitchFamily="18" charset="0"/>
                           <a:ea typeface="微软雅黑 Light" panose="020B0502040204020203" pitchFamily="34" charset="-122"/>
                         </a:rPr>
-                        <m:t>=</m:t>
-                      </m:r>
-                      <m:r>
-                        <a:rPr lang="en-US" altLang="zh-CN" sz="1800" i="1">
-                          <a:solidFill>
-                            <a:schemeClr val="tx1">
-                              <a:lumMod val="65000"/>
-                              <a:lumOff val="35000"/>
-                            </a:schemeClr>
-                          </a:solidFill>
-                          <a:latin typeface="Cambria Math" panose="02040503050406030204" pitchFamily="18" charset="0"/>
-                          <a:ea typeface="微软雅黑 Light" panose="020B0502040204020203" pitchFamily="34" charset="-122"/>
-                        </a:rPr>
-                        <m:t>1</m:t>
+                        <m:t>=1</m:t>
                       </m:r>
                     </m:oMath>
                   </m:oMathPara>
@@ -11779,20 +11766,7 @@
                               <a:latin typeface="Cambria Math" panose="02040503050406030204" pitchFamily="18" charset="0"/>
                               <a:ea typeface="微软雅黑 Light" panose="020B0502040204020203" pitchFamily="34" charset="-122"/>
                             </a:rPr>
-                            <m:t>𝐹</m:t>
-                          </m:r>
-                          <m:r>
-                            <a:rPr lang="en-US" altLang="zh-CN" sz="1800" i="1">
-                              <a:solidFill>
-                                <a:schemeClr val="tx1">
-                                  <a:lumMod val="65000"/>
-                                  <a:lumOff val="35000"/>
-                                </a:schemeClr>
-                              </a:solidFill>
-                              <a:latin typeface="Cambria Math" panose="02040503050406030204" pitchFamily="18" charset="0"/>
-                              <a:ea typeface="微软雅黑 Light" panose="020B0502040204020203" pitchFamily="34" charset="-122"/>
-                            </a:rPr>
-                            <m:t>𝐺</m:t>
+                            <m:t>𝐹𝐺</m:t>
                           </m:r>
                         </m:e>
                       </m:d>
@@ -12152,8 +12126,8 @@
           </a:p>
         </p:txBody>
       </p:sp>
-      <mc:AlternateContent xmlns:mc="http://schemas.openxmlformats.org/markup-compatibility/2006">
-        <mc:Choice xmlns:a14="http://schemas.microsoft.com/office/drawing/2010/main" Requires="a14">
+      <mc:AlternateContent xmlns:mc="http://schemas.openxmlformats.org/markup-compatibility/2006" xmlns:a14="http://schemas.microsoft.com/office/drawing/2010/main">
+        <mc:Choice Requires="a14">
           <p:sp>
             <p:nvSpPr>
               <p:cNvPr id="4" name="Content Placeholder 3">
@@ -12487,7 +12461,7 @@
                         <m:begChr m:val="|"/>
                         <m:endChr m:val="|"/>
                         <m:ctrlPr>
-                          <a:rPr lang="en-US" altLang="zh-CN" sz="2000" b="0" i="0" smtClean="0">
+                          <a:rPr lang="en-US" altLang="zh-CN" sz="2000" b="0" i="1" smtClean="0">
                             <a:solidFill>
                               <a:schemeClr val="tx1">
                                 <a:lumMod val="65000"/>
@@ -13484,20 +13458,7 @@
                           <a:latin typeface="Cambria Math" panose="02040503050406030204" pitchFamily="18" charset="0"/>
                           <a:ea typeface="微软雅黑 Light" panose="020B0502040204020203" pitchFamily="34" charset="-122"/>
                         </a:rPr>
-                        <m:t>=</m:t>
-                      </m:r>
-                      <m:r>
-                        <a:rPr lang="en-US" altLang="zh-CN" sz="2000" i="1">
-                          <a:solidFill>
-                            <a:schemeClr val="tx1">
-                              <a:lumMod val="65000"/>
-                              <a:lumOff val="35000"/>
-                            </a:schemeClr>
-                          </a:solidFill>
-                          <a:latin typeface="Cambria Math" panose="02040503050406030204" pitchFamily="18" charset="0"/>
-                          <a:ea typeface="微软雅黑 Light" panose="020B0502040204020203" pitchFamily="34" charset="-122"/>
-                        </a:rPr>
-                        <m:t>1</m:t>
+                        <m:t>=1</m:t>
                       </m:r>
                     </m:oMath>
                   </m:oMathPara>
@@ -13761,7 +13722,7 @@
             </p:txBody>
           </p:sp>
         </mc:Choice>
-        <mc:Fallback>
+        <mc:Fallback xmlns="">
           <p:sp>
             <p:nvSpPr>
               <p:cNvPr id="4" name="Content Placeholder 3">
